--- a/sdp-250320.pptx
+++ b/sdp-250320.pptx
@@ -141,14 +141,6 @@
     </p:ext>
   </p:extLst>
 </p:presentation>
-</file>
-
-<file path=ppt/revisionInfo.xml><?xml version="1.0" encoding="utf-8"?>
-<p1510:revInfo xmlns:a="http://schemas.openxmlformats.org/drawingml/2006/main" xmlns:r="http://schemas.openxmlformats.org/officeDocument/2006/relationships" xmlns:p1510="http://schemas.microsoft.com/office/powerpoint/2015/10/main">
-  <p1510:revLst>
-    <p1510:client id="{C039F8F6-AFD0-3F4C-B310-4057684885F6}" v="63" dt="2025-03-20T09:49:33.949"/>
-  </p1510:revLst>
-</p1510:revInfo>
 </file>
 
 <file path=ppt/notesMasters/notesMaster1.xml><?xml version="1.0" encoding="utf-8"?>
@@ -10964,7 +10956,7 @@
           <a:p>
             <a:r>
               <a:rPr lang="en-US" dirty="0"/>
-              <a:t>Three types of bindings (“variables”)</a:t>
+              <a:t>Three types of variables</a:t>
             </a:r>
           </a:p>
           <a:p>
